--- a/new_slides/top_down_parsing.pptx
+++ b/new_slides/top_down_parsing.pptx
@@ -267,7 +267,7 @@
           <a:p>
             <a:fld id="{912166FD-9A85-48B8-B5C8-1A087ED81368}" type="datetimeFigureOut">
               <a:rPr lang="en-US" smtClean="0"/>
-              <a:t>11/19/2019</a:t>
+              <a:t>9/15/2021</a:t>
             </a:fld>
             <a:endParaRPr lang="en-US"/>
           </a:p>
@@ -2273,7 +2273,7 @@
           <a:p>
             <a:fld id="{0E5CD31E-43F3-40B0-B003-1CA31CA895B5}" type="datetimeFigureOut">
               <a:rPr lang="en-US" smtClean="0"/>
-              <a:t>11/19/2019</a:t>
+              <a:t>9/15/2021</a:t>
             </a:fld>
             <a:endParaRPr lang="en-US"/>
           </a:p>
@@ -2486,7 +2486,7 @@
           <a:p>
             <a:fld id="{0E5CD31E-43F3-40B0-B003-1CA31CA895B5}" type="datetimeFigureOut">
               <a:rPr lang="en-US" smtClean="0"/>
-              <a:t>11/19/2019</a:t>
+              <a:t>9/15/2021</a:t>
             </a:fld>
             <a:endParaRPr lang="en-US"/>
           </a:p>
@@ -2742,7 +2742,7 @@
           <a:p>
             <a:fld id="{0E5CD31E-43F3-40B0-B003-1CA31CA895B5}" type="datetimeFigureOut">
               <a:rPr lang="en-US" smtClean="0"/>
-              <a:t>11/19/2019</a:t>
+              <a:t>9/15/2021</a:t>
             </a:fld>
             <a:endParaRPr lang="en-US"/>
           </a:p>
@@ -2921,7 +2921,7 @@
           <a:p>
             <a:fld id="{0E5CD31E-43F3-40B0-B003-1CA31CA895B5}" type="datetimeFigureOut">
               <a:rPr lang="en-US" smtClean="0"/>
-              <a:t>11/19/2019</a:t>
+              <a:t>9/15/2021</a:t>
             </a:fld>
             <a:endParaRPr lang="en-US"/>
           </a:p>
@@ -3264,7 +3264,7 @@
           <a:p>
             <a:fld id="{0E5CD31E-43F3-40B0-B003-1CA31CA895B5}" type="datetimeFigureOut">
               <a:rPr lang="en-US" smtClean="0"/>
-              <a:t>11/19/2019</a:t>
+              <a:t>9/15/2021</a:t>
             </a:fld>
             <a:endParaRPr lang="en-US"/>
           </a:p>
@@ -3544,7 +3544,7 @@
           <a:p>
             <a:fld id="{0E5CD31E-43F3-40B0-B003-1CA31CA895B5}" type="datetimeFigureOut">
               <a:rPr lang="en-US" smtClean="0"/>
-              <a:t>11/19/2019</a:t>
+              <a:t>9/15/2021</a:t>
             </a:fld>
             <a:endParaRPr lang="en-US"/>
           </a:p>
@@ -3928,7 +3928,7 @@
           <a:p>
             <a:fld id="{0E5CD31E-43F3-40B0-B003-1CA31CA895B5}" type="datetimeFigureOut">
               <a:rPr lang="en-US" smtClean="0"/>
-              <a:t>11/19/2019</a:t>
+              <a:t>9/15/2021</a:t>
             </a:fld>
             <a:endParaRPr lang="en-US"/>
           </a:p>
@@ -4051,7 +4051,7 @@
           <a:p>
             <a:fld id="{0E5CD31E-43F3-40B0-B003-1CA31CA895B5}" type="datetimeFigureOut">
               <a:rPr lang="en-US" smtClean="0"/>
-              <a:t>11/19/2019</a:t>
+              <a:t>9/15/2021</a:t>
             </a:fld>
             <a:endParaRPr lang="en-US"/>
           </a:p>
@@ -4222,7 +4222,7 @@
           <a:p>
             <a:fld id="{0E5CD31E-43F3-40B0-B003-1CA31CA895B5}" type="datetimeFigureOut">
               <a:rPr lang="en-US" smtClean="0"/>
-              <a:t>11/19/2019</a:t>
+              <a:t>9/15/2021</a:t>
             </a:fld>
             <a:endParaRPr lang="en-US"/>
           </a:p>
@@ -4581,7 +4581,7 @@
           <a:p>
             <a:fld id="{0E5CD31E-43F3-40B0-B003-1CA31CA895B5}" type="datetimeFigureOut">
               <a:rPr lang="en-US" smtClean="0"/>
-              <a:t>11/19/2019</a:t>
+              <a:t>9/15/2021</a:t>
             </a:fld>
             <a:endParaRPr lang="en-US"/>
           </a:p>
@@ -4968,7 +4968,7 @@
           <a:p>
             <a:fld id="{0E5CD31E-43F3-40B0-B003-1CA31CA895B5}" type="datetimeFigureOut">
               <a:rPr lang="en-US" smtClean="0"/>
-              <a:t>11/19/2019</a:t>
+              <a:t>9/15/2021</a:t>
             </a:fld>
             <a:endParaRPr lang="en-US"/>
           </a:p>
@@ -5255,7 +5255,7 @@
           <a:p>
             <a:fld id="{0E5CD31E-43F3-40B0-B003-1CA31CA895B5}" type="datetimeFigureOut">
               <a:rPr lang="en-US" smtClean="0"/>
-              <a:t>11/19/2019</a:t>
+              <a:t>9/15/2021</a:t>
             </a:fld>
             <a:endParaRPr lang="en-US"/>
           </a:p>
@@ -5866,7 +5866,7 @@
 </file>
 
 <file path=ppt/slides/slide10.xml><?xml version="1.0" encoding="utf-8"?>
-<p:sld xmlns:a="http://schemas.openxmlformats.org/drawingml/2006/main" xmlns:r="http://schemas.openxmlformats.org/officeDocument/2006/relationships" xmlns:p="http://schemas.openxmlformats.org/presentationml/2006/main">
+<p:sld xmlns:a="http://schemas.openxmlformats.org/drawingml/2006/main" xmlns:r="http://schemas.openxmlformats.org/officeDocument/2006/relationships" xmlns:p="http://schemas.openxmlformats.org/presentationml/2006/main" showMasterSp="0">
   <p:cSld>
     <p:spTree>
       <p:nvGrpSpPr>
@@ -6082,7 +6082,7 @@
 </file>
 
 <file path=ppt/slides/slide11.xml><?xml version="1.0" encoding="utf-8"?>
-<p:sld xmlns:a="http://schemas.openxmlformats.org/drawingml/2006/main" xmlns:r="http://schemas.openxmlformats.org/officeDocument/2006/relationships" xmlns:p="http://schemas.openxmlformats.org/presentationml/2006/main">
+<p:sld xmlns:a="http://schemas.openxmlformats.org/drawingml/2006/main" xmlns:r="http://schemas.openxmlformats.org/officeDocument/2006/relationships" xmlns:p="http://schemas.openxmlformats.org/presentationml/2006/main" showMasterSp="0">
   <p:cSld>
     <p:spTree>
       <p:nvGrpSpPr>
@@ -6300,7 +6300,7 @@
 </file>
 
 <file path=ppt/slides/slide12.xml><?xml version="1.0" encoding="utf-8"?>
-<p:sld xmlns:a="http://schemas.openxmlformats.org/drawingml/2006/main" xmlns:r="http://schemas.openxmlformats.org/officeDocument/2006/relationships" xmlns:p="http://schemas.openxmlformats.org/presentationml/2006/main">
+<p:sld xmlns:a="http://schemas.openxmlformats.org/drawingml/2006/main" xmlns:r="http://schemas.openxmlformats.org/officeDocument/2006/relationships" xmlns:p="http://schemas.openxmlformats.org/presentationml/2006/main" showMasterSp="0">
   <p:cSld>
     <p:spTree>
       <p:nvGrpSpPr>
@@ -6506,7 +6506,7 @@
 </file>
 
 <file path=ppt/slides/slide13.xml><?xml version="1.0" encoding="utf-8"?>
-<p:sld xmlns:a="http://schemas.openxmlformats.org/drawingml/2006/main" xmlns:r="http://schemas.openxmlformats.org/officeDocument/2006/relationships" xmlns:p="http://schemas.openxmlformats.org/presentationml/2006/main">
+<p:sld xmlns:a="http://schemas.openxmlformats.org/drawingml/2006/main" xmlns:r="http://schemas.openxmlformats.org/officeDocument/2006/relationships" xmlns:p="http://schemas.openxmlformats.org/presentationml/2006/main" showMasterSp="0">
   <p:cSld>
     <p:spTree>
       <p:nvGrpSpPr>
@@ -6724,7 +6724,7 @@
 </file>
 
 <file path=ppt/slides/slide14.xml><?xml version="1.0" encoding="utf-8"?>
-<p:sld xmlns:a="http://schemas.openxmlformats.org/drawingml/2006/main" xmlns:r="http://schemas.openxmlformats.org/officeDocument/2006/relationships" xmlns:p="http://schemas.openxmlformats.org/presentationml/2006/main">
+<p:sld xmlns:a="http://schemas.openxmlformats.org/drawingml/2006/main" xmlns:r="http://schemas.openxmlformats.org/officeDocument/2006/relationships" xmlns:p="http://schemas.openxmlformats.org/presentationml/2006/main" showMasterSp="0">
   <p:cSld>
     <p:spTree>
       <p:nvGrpSpPr>
@@ -7054,7 +7054,7 @@
 </file>
 
 <file path=ppt/slides/slide15.xml><?xml version="1.0" encoding="utf-8"?>
-<p:sld xmlns:a="http://schemas.openxmlformats.org/drawingml/2006/main" xmlns:r="http://schemas.openxmlformats.org/officeDocument/2006/relationships" xmlns:p="http://schemas.openxmlformats.org/presentationml/2006/main">
+<p:sld xmlns:a="http://schemas.openxmlformats.org/drawingml/2006/main" xmlns:r="http://schemas.openxmlformats.org/officeDocument/2006/relationships" xmlns:p="http://schemas.openxmlformats.org/presentationml/2006/main" showMasterSp="0">
   <p:cSld>
     <p:spTree>
       <p:nvGrpSpPr>
@@ -7433,7 +7433,7 @@
 </file>
 
 <file path=ppt/slides/slide16.xml><?xml version="1.0" encoding="utf-8"?>
-<p:sld xmlns:a="http://schemas.openxmlformats.org/drawingml/2006/main" xmlns:r="http://schemas.openxmlformats.org/officeDocument/2006/relationships" xmlns:p="http://schemas.openxmlformats.org/presentationml/2006/main">
+<p:sld xmlns:a="http://schemas.openxmlformats.org/drawingml/2006/main" xmlns:r="http://schemas.openxmlformats.org/officeDocument/2006/relationships" xmlns:p="http://schemas.openxmlformats.org/presentationml/2006/main" showMasterSp="0">
   <p:cSld>
     <p:spTree>
       <p:nvGrpSpPr>
@@ -7763,7 +7763,7 @@
 </file>
 
 <file path=ppt/slides/slide17.xml><?xml version="1.0" encoding="utf-8"?>
-<p:sld xmlns:a="http://schemas.openxmlformats.org/drawingml/2006/main" xmlns:r="http://schemas.openxmlformats.org/officeDocument/2006/relationships" xmlns:p="http://schemas.openxmlformats.org/presentationml/2006/main">
+<p:sld xmlns:a="http://schemas.openxmlformats.org/drawingml/2006/main" xmlns:r="http://schemas.openxmlformats.org/officeDocument/2006/relationships" xmlns:p="http://schemas.openxmlformats.org/presentationml/2006/main" showMasterSp="0">
   <p:cSld>
     <p:spTree>
       <p:nvGrpSpPr>
@@ -8065,7 +8065,7 @@
 </file>
 
 <file path=ppt/slides/slide18.xml><?xml version="1.0" encoding="utf-8"?>
-<p:sld xmlns:a="http://schemas.openxmlformats.org/drawingml/2006/main" xmlns:r="http://schemas.openxmlformats.org/officeDocument/2006/relationships" xmlns:p="http://schemas.openxmlformats.org/presentationml/2006/main">
+<p:sld xmlns:a="http://schemas.openxmlformats.org/drawingml/2006/main" xmlns:r="http://schemas.openxmlformats.org/officeDocument/2006/relationships" xmlns:p="http://schemas.openxmlformats.org/presentationml/2006/main" showMasterSp="0">
   <p:cSld>
     <p:spTree>
       <p:nvGrpSpPr>
@@ -8385,7 +8385,7 @@
 </file>
 
 <file path=ppt/slides/slide19.xml><?xml version="1.0" encoding="utf-8"?>
-<p:sld xmlns:a="http://schemas.openxmlformats.org/drawingml/2006/main" xmlns:r="http://schemas.openxmlformats.org/officeDocument/2006/relationships" xmlns:p="http://schemas.openxmlformats.org/presentationml/2006/main">
+<p:sld xmlns:a="http://schemas.openxmlformats.org/drawingml/2006/main" xmlns:r="http://schemas.openxmlformats.org/officeDocument/2006/relationships" xmlns:p="http://schemas.openxmlformats.org/presentationml/2006/main" showMasterSp="0">
   <p:cSld>
     <p:spTree>
       <p:nvGrpSpPr>
@@ -8764,7 +8764,7 @@
 </file>
 
 <file path=ppt/slides/slide2.xml><?xml version="1.0" encoding="utf-8"?>
-<p:sld xmlns:a="http://schemas.openxmlformats.org/drawingml/2006/main" xmlns:r="http://schemas.openxmlformats.org/officeDocument/2006/relationships" xmlns:p="http://schemas.openxmlformats.org/presentationml/2006/main">
+<p:sld xmlns:a="http://schemas.openxmlformats.org/drawingml/2006/main" xmlns:r="http://schemas.openxmlformats.org/officeDocument/2006/relationships" xmlns:p="http://schemas.openxmlformats.org/presentationml/2006/main" showMasterSp="0">
   <p:cSld>
     <p:spTree>
       <p:nvGrpSpPr>
@@ -8933,7 +8933,7 @@
 </file>
 
 <file path=ppt/slides/slide20.xml><?xml version="1.0" encoding="utf-8"?>
-<p:sld xmlns:a="http://schemas.openxmlformats.org/drawingml/2006/main" xmlns:r="http://schemas.openxmlformats.org/officeDocument/2006/relationships" xmlns:p="http://schemas.openxmlformats.org/presentationml/2006/main">
+<p:sld xmlns:a="http://schemas.openxmlformats.org/drawingml/2006/main" xmlns:r="http://schemas.openxmlformats.org/officeDocument/2006/relationships" xmlns:p="http://schemas.openxmlformats.org/presentationml/2006/main" showMasterSp="0">
   <p:cSld>
     <p:spTree>
       <p:nvGrpSpPr>
@@ -9067,7 +9067,7 @@
 </file>
 
 <file path=ppt/slides/slide21.xml><?xml version="1.0" encoding="utf-8"?>
-<p:sld xmlns:a="http://schemas.openxmlformats.org/drawingml/2006/main" xmlns:r="http://schemas.openxmlformats.org/officeDocument/2006/relationships" xmlns:p="http://schemas.openxmlformats.org/presentationml/2006/main">
+<p:sld xmlns:a="http://schemas.openxmlformats.org/drawingml/2006/main" xmlns:r="http://schemas.openxmlformats.org/officeDocument/2006/relationships" xmlns:p="http://schemas.openxmlformats.org/presentationml/2006/main" showMasterSp="0">
   <p:cSld>
     <p:spTree>
       <p:nvGrpSpPr>
@@ -9225,7 +9225,7 @@
 </file>
 
 <file path=ppt/slides/slide22.xml><?xml version="1.0" encoding="utf-8"?>
-<p:sld xmlns:a="http://schemas.openxmlformats.org/drawingml/2006/main" xmlns:r="http://schemas.openxmlformats.org/officeDocument/2006/relationships" xmlns:p="http://schemas.openxmlformats.org/presentationml/2006/main">
+<p:sld xmlns:a="http://schemas.openxmlformats.org/drawingml/2006/main" xmlns:r="http://schemas.openxmlformats.org/officeDocument/2006/relationships" xmlns:p="http://schemas.openxmlformats.org/presentationml/2006/main" showMasterSp="0">
   <p:cSld>
     <p:spTree>
       <p:nvGrpSpPr>
@@ -9537,7 +9537,7 @@
 </file>
 
 <file path=ppt/slides/slide23.xml><?xml version="1.0" encoding="utf-8"?>
-<p:sld xmlns:a="http://schemas.openxmlformats.org/drawingml/2006/main" xmlns:r="http://schemas.openxmlformats.org/officeDocument/2006/relationships" xmlns:p="http://schemas.openxmlformats.org/presentationml/2006/main">
+<p:sld xmlns:a="http://schemas.openxmlformats.org/drawingml/2006/main" xmlns:r="http://schemas.openxmlformats.org/officeDocument/2006/relationships" xmlns:p="http://schemas.openxmlformats.org/presentationml/2006/main" showMasterSp="0">
   <p:cSld>
     <p:spTree>
       <p:nvGrpSpPr>
@@ -10099,7 +10099,7 @@
 </file>
 
 <file path=ppt/slides/slide24.xml><?xml version="1.0" encoding="utf-8"?>
-<p:sld xmlns:a="http://schemas.openxmlformats.org/drawingml/2006/main" xmlns:r="http://schemas.openxmlformats.org/officeDocument/2006/relationships" xmlns:p="http://schemas.openxmlformats.org/presentationml/2006/main">
+<p:sld xmlns:a="http://schemas.openxmlformats.org/drawingml/2006/main" xmlns:r="http://schemas.openxmlformats.org/officeDocument/2006/relationships" xmlns:p="http://schemas.openxmlformats.org/presentationml/2006/main" showMasterSp="0">
   <p:cSld>
     <p:spTree>
       <p:nvGrpSpPr>
@@ -10320,7 +10320,7 @@
 </file>
 
 <file path=ppt/slides/slide25.xml><?xml version="1.0" encoding="utf-8"?>
-<p:sld xmlns:a="http://schemas.openxmlformats.org/drawingml/2006/main" xmlns:r="http://schemas.openxmlformats.org/officeDocument/2006/relationships" xmlns:p="http://schemas.openxmlformats.org/presentationml/2006/main">
+<p:sld xmlns:a="http://schemas.openxmlformats.org/drawingml/2006/main" xmlns:r="http://schemas.openxmlformats.org/officeDocument/2006/relationships" xmlns:p="http://schemas.openxmlformats.org/presentationml/2006/main" showMasterSp="0">
   <p:cSld>
     <p:spTree>
       <p:nvGrpSpPr>
@@ -10602,7 +10602,7 @@
 </file>
 
 <file path=ppt/slides/slide26.xml><?xml version="1.0" encoding="utf-8"?>
-<p:sld xmlns:a="http://schemas.openxmlformats.org/drawingml/2006/main" xmlns:r="http://schemas.openxmlformats.org/officeDocument/2006/relationships" xmlns:p="http://schemas.openxmlformats.org/presentationml/2006/main">
+<p:sld xmlns:a="http://schemas.openxmlformats.org/drawingml/2006/main" xmlns:r="http://schemas.openxmlformats.org/officeDocument/2006/relationships" xmlns:p="http://schemas.openxmlformats.org/presentationml/2006/main" showMasterSp="0">
   <p:cSld>
     <p:spTree>
       <p:nvGrpSpPr>
@@ -10678,43 +10678,19 @@
               <a:rPr lang="en-US" sz="2800" dirty="0" smtClean="0">
                 <a:latin typeface="+mj-lt"/>
               </a:rPr>
-              <a:t>Does</a:t>
+              <a:t>Does the language of </a:t>
+            </a:r>
+            <a:r>
+              <a:rPr lang="en-US" sz="2800" b="1" dirty="0" smtClean="0">
+                <a:latin typeface="+mj-lt"/>
+              </a:rPr>
+              <a:t>balanced parentheses</a:t>
             </a:r>
             <a:r>
               <a:rPr lang="en-US" sz="2800" dirty="0" smtClean="0">
                 <a:latin typeface="+mj-lt"/>
               </a:rPr>
-              <a:t> </a:t>
-            </a:r>
-            <a:r>
-              <a:rPr lang="en-US" sz="2800" dirty="0" smtClean="0">
-                <a:latin typeface="+mj-lt"/>
-              </a:rPr>
-              <a:t>the language of </a:t>
-            </a:r>
-            <a:r>
-              <a:rPr lang="en-US" sz="2800" b="1" dirty="0" smtClean="0">
-                <a:latin typeface="+mj-lt"/>
-              </a:rPr>
-              <a:t>balanced parentheses</a:t>
-            </a:r>
-            <a:r>
-              <a:rPr lang="en-US" sz="2800" dirty="0" smtClean="0">
-                <a:latin typeface="+mj-lt"/>
-              </a:rPr>
-              <a:t> </a:t>
-            </a:r>
-            <a:r>
-              <a:rPr lang="en-US" sz="2800" dirty="0" smtClean="0">
-                <a:latin typeface="+mj-lt"/>
-              </a:rPr>
-              <a:t>have </a:t>
-            </a:r>
-            <a:r>
-              <a:rPr lang="en-US" sz="2800" dirty="0" smtClean="0">
-                <a:latin typeface="+mj-lt"/>
-              </a:rPr>
-              <a:t>a CFG?</a:t>
+              <a:t> have a CFG?</a:t>
             </a:r>
           </a:p>
         </p:txBody>
@@ -10740,7 +10716,7 @@
 </file>
 
 <file path=ppt/slides/slide27.xml><?xml version="1.0" encoding="utf-8"?>
-<p:sld xmlns:a="http://schemas.openxmlformats.org/drawingml/2006/main" xmlns:r="http://schemas.openxmlformats.org/officeDocument/2006/relationships" xmlns:p="http://schemas.openxmlformats.org/presentationml/2006/main">
+<p:sld xmlns:a="http://schemas.openxmlformats.org/drawingml/2006/main" xmlns:r="http://schemas.openxmlformats.org/officeDocument/2006/relationships" xmlns:p="http://schemas.openxmlformats.org/presentationml/2006/main" showMasterSp="0">
   <p:cSld>
     <p:spTree>
       <p:nvGrpSpPr>
@@ -10790,8 +10766,8 @@
           </a:p>
         </p:txBody>
       </p:sp>
-      <mc:AlternateContent xmlns:mc="http://schemas.openxmlformats.org/markup-compatibility/2006">
-        <mc:Choice xmlns:a14="http://schemas.microsoft.com/office/drawing/2010/main" Requires="a14">
+      <mc:AlternateContent xmlns:mc="http://schemas.openxmlformats.org/markup-compatibility/2006" xmlns:a14="http://schemas.microsoft.com/office/drawing/2010/main">
+        <mc:Choice Requires="a14">
           <p:sp>
             <p:nvSpPr>
               <p:cNvPr id="5" name="TextBox 4"/>
@@ -10830,19 +10806,7 @@
                   <a:rPr lang="en-US" sz="2800" dirty="0" smtClean="0">
                     <a:latin typeface="+mj-lt"/>
                   </a:rPr>
-                  <a:t> </a:t>
-                </a:r>
-                <a:r>
-                  <a:rPr lang="en-US" sz="2800" dirty="0" smtClean="0">
-                    <a:latin typeface="+mj-lt"/>
-                  </a:rPr>
-                  <a:t>have </a:t>
-                </a:r>
-                <a:r>
-                  <a:rPr lang="en-US" sz="2800" dirty="0" smtClean="0">
-                    <a:latin typeface="+mj-lt"/>
-                  </a:rPr>
-                  <a:t>a CFG?</a:t>
+                  <a:t> have a CFG?</a:t>
                 </a:r>
               </a:p>
               <a:p>
@@ -10891,13 +10855,7 @@
                       <a:rPr lang="en-US" sz="2800" b="0" i="1" smtClean="0">
                         <a:latin typeface="Cambria Math" panose="02040503050406030204" pitchFamily="18" charset="0"/>
                       </a:rPr>
-                      <m:t>→</m:t>
-                    </m:r>
-                    <m:r>
-                      <a:rPr lang="en-US" sz="2800" b="0" i="1" smtClean="0">
-                        <a:latin typeface="Cambria Math" panose="02040503050406030204" pitchFamily="18" charset="0"/>
-                      </a:rPr>
-                      <m:t>(</m:t>
+                      <m:t>→(</m:t>
                     </m:r>
                     <m:r>
                       <a:rPr lang="en-US" sz="2800" b="0" i="1" smtClean="0">
@@ -10920,7 +10878,7 @@
             </p:txBody>
           </p:sp>
         </mc:Choice>
-        <mc:Fallback>
+        <mc:Fallback xmlns="">
           <p:sp>
             <p:nvSpPr>
               <p:cNvPr id="5" name="TextBox 4"/>
@@ -10980,7 +10938,7 @@
 </file>
 
 <file path=ppt/slides/slide28.xml><?xml version="1.0" encoding="utf-8"?>
-<p:sld xmlns:a="http://schemas.openxmlformats.org/drawingml/2006/main" xmlns:r="http://schemas.openxmlformats.org/officeDocument/2006/relationships" xmlns:p="http://schemas.openxmlformats.org/presentationml/2006/main">
+<p:sld xmlns:a="http://schemas.openxmlformats.org/drawingml/2006/main" xmlns:r="http://schemas.openxmlformats.org/officeDocument/2006/relationships" xmlns:p="http://schemas.openxmlformats.org/presentationml/2006/main" showMasterSp="0">
   <p:cSld>
     <p:spTree>
       <p:nvGrpSpPr>
@@ -11168,7 +11126,7 @@
 </file>
 
 <file path=ppt/slides/slide29.xml><?xml version="1.0" encoding="utf-8"?>
-<p:sld xmlns:a="http://schemas.openxmlformats.org/drawingml/2006/main" xmlns:r="http://schemas.openxmlformats.org/officeDocument/2006/relationships" xmlns:p="http://schemas.openxmlformats.org/presentationml/2006/main">
+<p:sld xmlns:a="http://schemas.openxmlformats.org/drawingml/2006/main" xmlns:r="http://schemas.openxmlformats.org/officeDocument/2006/relationships" xmlns:p="http://schemas.openxmlformats.org/presentationml/2006/main" showMasterSp="0">
   <p:cSld>
     <p:spTree>
       <p:nvGrpSpPr>
@@ -11306,7 +11264,7 @@
 </file>
 
 <file path=ppt/slides/slide3.xml><?xml version="1.0" encoding="utf-8"?>
-<p:sld xmlns:a="http://schemas.openxmlformats.org/drawingml/2006/main" xmlns:r="http://schemas.openxmlformats.org/officeDocument/2006/relationships" xmlns:p="http://schemas.openxmlformats.org/presentationml/2006/main">
+<p:sld xmlns:a="http://schemas.openxmlformats.org/drawingml/2006/main" xmlns:r="http://schemas.openxmlformats.org/officeDocument/2006/relationships" xmlns:p="http://schemas.openxmlformats.org/presentationml/2006/main" showMasterSp="0">
   <p:cSld>
     <p:spTree>
       <p:nvGrpSpPr>
@@ -11541,7 +11499,7 @@
 </file>
 
 <file path=ppt/slides/slide30.xml><?xml version="1.0" encoding="utf-8"?>
-<p:sld xmlns:a="http://schemas.openxmlformats.org/drawingml/2006/main" xmlns:r="http://schemas.openxmlformats.org/officeDocument/2006/relationships" xmlns:p="http://schemas.openxmlformats.org/presentationml/2006/main">
+<p:sld xmlns:a="http://schemas.openxmlformats.org/drawingml/2006/main" xmlns:r="http://schemas.openxmlformats.org/officeDocument/2006/relationships" xmlns:p="http://schemas.openxmlformats.org/presentationml/2006/main" showMasterSp="0">
   <p:cSld>
     <p:spTree>
       <p:nvGrpSpPr>
@@ -11591,8 +11549,8 @@
           </a:p>
         </p:txBody>
       </p:sp>
-      <mc:AlternateContent xmlns:mc="http://schemas.openxmlformats.org/markup-compatibility/2006">
-        <mc:Choice xmlns:a14="http://schemas.microsoft.com/office/drawing/2010/main" Requires="a14">
+      <mc:AlternateContent xmlns:mc="http://schemas.openxmlformats.org/markup-compatibility/2006" xmlns:a14="http://schemas.microsoft.com/office/drawing/2010/main">
+        <mc:Choice Requires="a14">
           <p:sp>
             <p:nvSpPr>
               <p:cNvPr id="5" name="TextBox 4"/>
@@ -11726,7 +11684,7 @@
             </p:txBody>
           </p:sp>
         </mc:Choice>
-        <mc:Fallback>
+        <mc:Fallback xmlns="">
           <p:sp>
             <p:nvSpPr>
               <p:cNvPr id="5" name="TextBox 4"/>
@@ -11786,7 +11744,7 @@
 </file>
 
 <file path=ppt/slides/slide31.xml><?xml version="1.0" encoding="utf-8"?>
-<p:sld xmlns:a="http://schemas.openxmlformats.org/drawingml/2006/main" xmlns:r="http://schemas.openxmlformats.org/officeDocument/2006/relationships" xmlns:p="http://schemas.openxmlformats.org/presentationml/2006/main">
+<p:sld xmlns:a="http://schemas.openxmlformats.org/drawingml/2006/main" xmlns:r="http://schemas.openxmlformats.org/officeDocument/2006/relationships" xmlns:p="http://schemas.openxmlformats.org/presentationml/2006/main" showMasterSp="0">
   <p:cSld>
     <p:spTree>
       <p:nvGrpSpPr>
@@ -12342,7 +12300,7 @@
 </file>
 
 <file path=ppt/slides/slide32.xml><?xml version="1.0" encoding="utf-8"?>
-<p:sld xmlns:a="http://schemas.openxmlformats.org/drawingml/2006/main" xmlns:r="http://schemas.openxmlformats.org/officeDocument/2006/relationships" xmlns:p="http://schemas.openxmlformats.org/presentationml/2006/main">
+<p:sld xmlns:a="http://schemas.openxmlformats.org/drawingml/2006/main" xmlns:r="http://schemas.openxmlformats.org/officeDocument/2006/relationships" xmlns:p="http://schemas.openxmlformats.org/presentationml/2006/main" showMasterSp="0">
   <p:cSld>
     <p:spTree>
       <p:nvGrpSpPr>
@@ -12602,7 +12560,7 @@
 </file>
 
 <file path=ppt/slides/slide33.xml><?xml version="1.0" encoding="utf-8"?>
-<p:sld xmlns:a="http://schemas.openxmlformats.org/drawingml/2006/main" xmlns:r="http://schemas.openxmlformats.org/officeDocument/2006/relationships" xmlns:p="http://schemas.openxmlformats.org/presentationml/2006/main">
+<p:sld xmlns:a="http://schemas.openxmlformats.org/drawingml/2006/main" xmlns:r="http://schemas.openxmlformats.org/officeDocument/2006/relationships" xmlns:p="http://schemas.openxmlformats.org/presentationml/2006/main" showMasterSp="0">
   <p:cSld>
     <p:spTree>
       <p:nvGrpSpPr>
@@ -12898,7 +12856,7 @@
 </file>
 
 <file path=ppt/slides/slide34.xml><?xml version="1.0" encoding="utf-8"?>
-<p:sld xmlns:a="http://schemas.openxmlformats.org/drawingml/2006/main" xmlns:r="http://schemas.openxmlformats.org/officeDocument/2006/relationships" xmlns:p="http://schemas.openxmlformats.org/presentationml/2006/main">
+<p:sld xmlns:a="http://schemas.openxmlformats.org/drawingml/2006/main" xmlns:r="http://schemas.openxmlformats.org/officeDocument/2006/relationships" xmlns:p="http://schemas.openxmlformats.org/presentationml/2006/main" showMasterSp="0">
   <p:cSld>
     <p:spTree>
       <p:nvGrpSpPr>
@@ -12996,11 +12954,7 @@
             </a:pPr>
             <a:r>
               <a:rPr lang="en-US" sz="2800" dirty="0" smtClean="0"/>
-              <a:t>(), </a:t>
-            </a:r>
-            <a:r>
-              <a:rPr lang="en-US" sz="2800" dirty="0" smtClean="0"/>
-              <a:t>[], {}</a:t>
+              <a:t>(), [], {}</a:t>
             </a:r>
             <a:endParaRPr lang="en-US" sz="2800" dirty="0"/>
           </a:p>
@@ -13028,9 +12982,6 @@
               </a:rPr>
               <a:t>(([][]{}))[]</a:t>
             </a:r>
-            <a:endParaRPr lang="en-US" sz="2800" dirty="0" smtClean="0">
-              <a:latin typeface="+mj-lt"/>
-            </a:endParaRPr>
           </a:p>
           <a:p>
             <a:pPr marL="742950" lvl="1" indent="-285750">
@@ -13043,9 +12994,6 @@
               </a:rPr>
               <a:t>[()]</a:t>
             </a:r>
-            <a:endParaRPr lang="en-US" sz="2800" dirty="0" smtClean="0">
-              <a:latin typeface="+mj-lt"/>
-            </a:endParaRPr>
           </a:p>
           <a:p>
             <a:r>
@@ -13066,9 +13014,6 @@
               </a:rPr>
               <a:t>(()){</a:t>
             </a:r>
-            <a:endParaRPr lang="en-US" sz="2800" dirty="0" smtClean="0">
-              <a:latin typeface="+mj-lt"/>
-            </a:endParaRPr>
           </a:p>
         </p:txBody>
       </p:sp>
@@ -13093,7 +13038,7 @@
 </file>
 
 <file path=ppt/slides/slide35.xml><?xml version="1.0" encoding="utf-8"?>
-<p:sld xmlns:a="http://schemas.openxmlformats.org/drawingml/2006/main" xmlns:r="http://schemas.openxmlformats.org/officeDocument/2006/relationships" xmlns:p="http://schemas.openxmlformats.org/presentationml/2006/main">
+<p:sld xmlns:a="http://schemas.openxmlformats.org/drawingml/2006/main" xmlns:r="http://schemas.openxmlformats.org/officeDocument/2006/relationships" xmlns:p="http://schemas.openxmlformats.org/presentationml/2006/main" showMasterSp="0">
   <p:cSld>
     <p:spTree>
       <p:nvGrpSpPr>
@@ -13143,8 +13088,8 @@
           </a:p>
         </p:txBody>
       </p:sp>
-      <mc:AlternateContent xmlns:mc="http://schemas.openxmlformats.org/markup-compatibility/2006">
-        <mc:Choice xmlns:a14="http://schemas.microsoft.com/office/drawing/2010/main" Requires="a14">
+      <mc:AlternateContent xmlns:mc="http://schemas.openxmlformats.org/markup-compatibility/2006" xmlns:a14="http://schemas.microsoft.com/office/drawing/2010/main">
+        <mc:Choice Requires="a14">
           <p:sp>
             <p:nvSpPr>
               <p:cNvPr id="5" name="TextBox 4"/>
@@ -13365,7 +13310,7 @@
             </p:txBody>
           </p:sp>
         </mc:Choice>
-        <mc:Fallback>
+        <mc:Fallback xmlns="">
           <p:sp>
             <p:nvSpPr>
               <p:cNvPr id="5" name="TextBox 4"/>
@@ -13425,7 +13370,7 @@
 </file>
 
 <file path=ppt/slides/slide36.xml><?xml version="1.0" encoding="utf-8"?>
-<p:sld xmlns:a="http://schemas.openxmlformats.org/drawingml/2006/main" xmlns:r="http://schemas.openxmlformats.org/officeDocument/2006/relationships" xmlns:p="http://schemas.openxmlformats.org/presentationml/2006/main">
+<p:sld xmlns:a="http://schemas.openxmlformats.org/drawingml/2006/main" xmlns:r="http://schemas.openxmlformats.org/officeDocument/2006/relationships" xmlns:p="http://schemas.openxmlformats.org/presentationml/2006/main" showMasterSp="0">
   <p:cSld>
     <p:spTree>
       <p:nvGrpSpPr>
@@ -13536,30 +13481,16 @@
                 <a:latin typeface="Courier New" panose="02070309020205020404" pitchFamily="49" charset="0"/>
                 <a:cs typeface="Courier New" panose="02070309020205020404" pitchFamily="49" charset="0"/>
               </a:rPr>
-              <a:t> switch (token) </a:t>
-            </a:r>
+              <a:t> switch (token) {</a:t>
+            </a:r>
+          </a:p>
+          <a:p>
             <a:r>
               <a:rPr lang="en-US" sz="1700" dirty="0" smtClean="0">
                 <a:latin typeface="Courier New" panose="02070309020205020404" pitchFamily="49" charset="0"/>
                 <a:cs typeface="Courier New" panose="02070309020205020404" pitchFamily="49" charset="0"/>
               </a:rPr>
-              <a:t>{</a:t>
-            </a:r>
-          </a:p>
-          <a:p>
-            <a:r>
-              <a:rPr lang="en-US" sz="1700" dirty="0" smtClean="0">
-                <a:latin typeface="Courier New" panose="02070309020205020404" pitchFamily="49" charset="0"/>
-                <a:cs typeface="Courier New" panose="02070309020205020404" pitchFamily="49" charset="0"/>
-              </a:rPr>
-              <a:t>  case </a:t>
-            </a:r>
-            <a:r>
-              <a:rPr lang="en-US" sz="1700" dirty="0" smtClean="0">
-                <a:latin typeface="Courier New" panose="02070309020205020404" pitchFamily="49" charset="0"/>
-                <a:cs typeface="Courier New" panose="02070309020205020404" pitchFamily="49" charset="0"/>
-              </a:rPr>
-              <a:t>L_PAREN:</a:t>
+              <a:t>  case L_PAREN:</a:t>
             </a:r>
           </a:p>
           <a:p>
@@ -14219,7 +14150,7 @@
 </file>
 
 <file path=ppt/slides/slide37.xml><?xml version="1.0" encoding="utf-8"?>
-<p:sld xmlns:a="http://schemas.openxmlformats.org/drawingml/2006/main" xmlns:r="http://schemas.openxmlformats.org/officeDocument/2006/relationships" xmlns:p="http://schemas.openxmlformats.org/presentationml/2006/main">
+<p:sld xmlns:a="http://schemas.openxmlformats.org/drawingml/2006/main" xmlns:r="http://schemas.openxmlformats.org/officeDocument/2006/relationships" xmlns:p="http://schemas.openxmlformats.org/presentationml/2006/main" showMasterSp="0">
   <p:cSld>
     <p:spTree>
       <p:nvGrpSpPr>
@@ -14369,7 +14300,7 @@
 </file>
 
 <file path=ppt/slides/slide38.xml><?xml version="1.0" encoding="utf-8"?>
-<p:sld xmlns:a="http://schemas.openxmlformats.org/drawingml/2006/main" xmlns:r="http://schemas.openxmlformats.org/officeDocument/2006/relationships" xmlns:p="http://schemas.openxmlformats.org/presentationml/2006/main">
+<p:sld xmlns:a="http://schemas.openxmlformats.org/drawingml/2006/main" xmlns:r="http://schemas.openxmlformats.org/officeDocument/2006/relationships" xmlns:p="http://schemas.openxmlformats.org/presentationml/2006/main" showMasterSp="0">
   <p:cSld>
     <p:spTree>
       <p:nvGrpSpPr>
@@ -14746,7 +14677,7 @@
 </file>
 
 <file path=ppt/slides/slide39.xml><?xml version="1.0" encoding="utf-8"?>
-<p:sld xmlns:a="http://schemas.openxmlformats.org/drawingml/2006/main" xmlns:r="http://schemas.openxmlformats.org/officeDocument/2006/relationships" xmlns:p="http://schemas.openxmlformats.org/presentationml/2006/main">
+<p:sld xmlns:a="http://schemas.openxmlformats.org/drawingml/2006/main" xmlns:r="http://schemas.openxmlformats.org/officeDocument/2006/relationships" xmlns:p="http://schemas.openxmlformats.org/presentationml/2006/main" showMasterSp="0">
   <p:cSld>
     <p:spTree>
       <p:nvGrpSpPr>
@@ -15131,7 +15062,7 @@
 </file>
 
 <file path=ppt/slides/slide4.xml><?xml version="1.0" encoding="utf-8"?>
-<p:sld xmlns:a="http://schemas.openxmlformats.org/drawingml/2006/main" xmlns:r="http://schemas.openxmlformats.org/officeDocument/2006/relationships" xmlns:p="http://schemas.openxmlformats.org/presentationml/2006/main">
+<p:sld xmlns:a="http://schemas.openxmlformats.org/drawingml/2006/main" xmlns:r="http://schemas.openxmlformats.org/officeDocument/2006/relationships" xmlns:p="http://schemas.openxmlformats.org/presentationml/2006/main" showMasterSp="0">
   <p:cSld>
     <p:spTree>
       <p:nvGrpSpPr>
@@ -15317,7 +15248,7 @@
 </file>
 
 <file path=ppt/slides/slide40.xml><?xml version="1.0" encoding="utf-8"?>
-<p:sld xmlns:a="http://schemas.openxmlformats.org/drawingml/2006/main" xmlns:r="http://schemas.openxmlformats.org/officeDocument/2006/relationships" xmlns:p="http://schemas.openxmlformats.org/presentationml/2006/main">
+<p:sld xmlns:a="http://schemas.openxmlformats.org/drawingml/2006/main" xmlns:r="http://schemas.openxmlformats.org/officeDocument/2006/relationships" xmlns:p="http://schemas.openxmlformats.org/presentationml/2006/main" showMasterSp="0">
   <p:cSld>
     <p:spTree>
       <p:nvGrpSpPr>
@@ -15580,7 +15511,7 @@
 </file>
 
 <file path=ppt/slides/slide41.xml><?xml version="1.0" encoding="utf-8"?>
-<p:sld xmlns:a="http://schemas.openxmlformats.org/drawingml/2006/main" xmlns:r="http://schemas.openxmlformats.org/officeDocument/2006/relationships" xmlns:p="http://schemas.openxmlformats.org/presentationml/2006/main">
+<p:sld xmlns:a="http://schemas.openxmlformats.org/drawingml/2006/main" xmlns:r="http://schemas.openxmlformats.org/officeDocument/2006/relationships" xmlns:p="http://schemas.openxmlformats.org/presentationml/2006/main" showMasterSp="0">
   <p:cSld>
     <p:spTree>
       <p:nvGrpSpPr>
@@ -15846,7 +15777,7 @@
 </file>
 
 <file path=ppt/slides/slide42.xml><?xml version="1.0" encoding="utf-8"?>
-<p:sld xmlns:a="http://schemas.openxmlformats.org/drawingml/2006/main" xmlns:r="http://schemas.openxmlformats.org/officeDocument/2006/relationships" xmlns:p="http://schemas.openxmlformats.org/presentationml/2006/main">
+<p:sld xmlns:a="http://schemas.openxmlformats.org/drawingml/2006/main" xmlns:r="http://schemas.openxmlformats.org/officeDocument/2006/relationships" xmlns:p="http://schemas.openxmlformats.org/presentationml/2006/main" showMasterSp="0">
   <p:cSld>
     <p:spTree>
       <p:nvGrpSpPr>
@@ -16239,7 +16170,7 @@
 </file>
 
 <file path=ppt/slides/slide43.xml><?xml version="1.0" encoding="utf-8"?>
-<p:sld xmlns:a="http://schemas.openxmlformats.org/drawingml/2006/main" xmlns:r="http://schemas.openxmlformats.org/officeDocument/2006/relationships" xmlns:p="http://schemas.openxmlformats.org/presentationml/2006/main">
+<p:sld xmlns:a="http://schemas.openxmlformats.org/drawingml/2006/main" xmlns:r="http://schemas.openxmlformats.org/officeDocument/2006/relationships" xmlns:p="http://schemas.openxmlformats.org/presentationml/2006/main" showMasterSp="0">
   <p:cSld>
     <p:spTree>
       <p:nvGrpSpPr>
@@ -16858,7 +16789,7 @@
 </file>
 
 <file path=ppt/slides/slide44.xml><?xml version="1.0" encoding="utf-8"?>
-<p:sld xmlns:a="http://schemas.openxmlformats.org/drawingml/2006/main" xmlns:r="http://schemas.openxmlformats.org/officeDocument/2006/relationships" xmlns:p="http://schemas.openxmlformats.org/presentationml/2006/main">
+<p:sld xmlns:a="http://schemas.openxmlformats.org/drawingml/2006/main" xmlns:r="http://schemas.openxmlformats.org/officeDocument/2006/relationships" xmlns:p="http://schemas.openxmlformats.org/presentationml/2006/main" showMasterSp="0">
   <p:cSld>
     <p:spTree>
       <p:nvGrpSpPr>
@@ -17296,7 +17227,7 @@
 </file>
 
 <file path=ppt/slides/slide45.xml><?xml version="1.0" encoding="utf-8"?>
-<p:sld xmlns:a="http://schemas.openxmlformats.org/drawingml/2006/main" xmlns:r="http://schemas.openxmlformats.org/officeDocument/2006/relationships" xmlns:p="http://schemas.openxmlformats.org/presentationml/2006/main">
+<p:sld xmlns:a="http://schemas.openxmlformats.org/drawingml/2006/main" xmlns:r="http://schemas.openxmlformats.org/officeDocument/2006/relationships" xmlns:p="http://schemas.openxmlformats.org/presentationml/2006/main" showMasterSp="0">
   <p:cSld>
     <p:spTree>
       <p:nvGrpSpPr>
@@ -18056,7 +17987,7 @@
 </file>
 
 <file path=ppt/slides/slide46.xml><?xml version="1.0" encoding="utf-8"?>
-<p:sld xmlns:a="http://schemas.openxmlformats.org/drawingml/2006/main" xmlns:r="http://schemas.openxmlformats.org/officeDocument/2006/relationships" xmlns:p="http://schemas.openxmlformats.org/presentationml/2006/main">
+<p:sld xmlns:a="http://schemas.openxmlformats.org/drawingml/2006/main" xmlns:r="http://schemas.openxmlformats.org/officeDocument/2006/relationships" xmlns:p="http://schemas.openxmlformats.org/presentationml/2006/main" showMasterSp="0">
   <p:cSld>
     <p:spTree>
       <p:nvGrpSpPr>
@@ -18626,7 +18557,7 @@
 </file>
 
 <file path=ppt/slides/slide47.xml><?xml version="1.0" encoding="utf-8"?>
-<p:sld xmlns:a="http://schemas.openxmlformats.org/drawingml/2006/main" xmlns:r="http://schemas.openxmlformats.org/officeDocument/2006/relationships" xmlns:p="http://schemas.openxmlformats.org/presentationml/2006/main">
+<p:sld xmlns:a="http://schemas.openxmlformats.org/drawingml/2006/main" xmlns:r="http://schemas.openxmlformats.org/officeDocument/2006/relationships" xmlns:p="http://schemas.openxmlformats.org/presentationml/2006/main" showMasterSp="0">
   <p:cSld>
     <p:spTree>
       <p:nvGrpSpPr>
@@ -18771,7 +18702,7 @@
 </file>
 
 <file path=ppt/slides/slide48.xml><?xml version="1.0" encoding="utf-8"?>
-<p:sld xmlns:a="http://schemas.openxmlformats.org/drawingml/2006/main" xmlns:r="http://schemas.openxmlformats.org/officeDocument/2006/relationships" xmlns:p="http://schemas.openxmlformats.org/presentationml/2006/main">
+<p:sld xmlns:a="http://schemas.openxmlformats.org/drawingml/2006/main" xmlns:r="http://schemas.openxmlformats.org/officeDocument/2006/relationships" xmlns:p="http://schemas.openxmlformats.org/presentationml/2006/main" showMasterSp="0">
   <p:cSld>
     <p:spTree>
       <p:nvGrpSpPr>
@@ -18903,7 +18834,7 @@
 </file>
 
 <file path=ppt/slides/slide49.xml><?xml version="1.0" encoding="utf-8"?>
-<p:sld xmlns:a="http://schemas.openxmlformats.org/drawingml/2006/main" xmlns:r="http://schemas.openxmlformats.org/officeDocument/2006/relationships" xmlns:p="http://schemas.openxmlformats.org/presentationml/2006/main">
+<p:sld xmlns:a="http://schemas.openxmlformats.org/drawingml/2006/main" xmlns:r="http://schemas.openxmlformats.org/officeDocument/2006/relationships" xmlns:p="http://schemas.openxmlformats.org/presentationml/2006/main" showMasterSp="0">
   <p:cSld>
     <p:spTree>
       <p:nvGrpSpPr>
@@ -18953,8 +18884,8 @@
           </a:p>
         </p:txBody>
       </p:sp>
-      <mc:AlternateContent xmlns:mc="http://schemas.openxmlformats.org/markup-compatibility/2006">
-        <mc:Choice xmlns:a14="http://schemas.microsoft.com/office/drawing/2010/main" Requires="a14">
+      <mc:AlternateContent xmlns:mc="http://schemas.openxmlformats.org/markup-compatibility/2006" xmlns:a14="http://schemas.microsoft.com/office/drawing/2010/main">
+        <mc:Choice Requires="a14">
           <p:sp>
             <p:nvSpPr>
               <p:cNvPr id="5" name="TextBox 4"/>
@@ -19012,13 +18943,7 @@
                       <a:rPr lang="en-US" sz="2800" i="1">
                         <a:latin typeface="Cambria Math" panose="02040503050406030204" pitchFamily="18" charset="0"/>
                       </a:rPr>
-                      <m:t>𝑁</m:t>
-                    </m:r>
-                    <m:r>
-                      <a:rPr lang="en-US" sz="2800" b="0" i="1" smtClean="0">
-                        <a:latin typeface="Cambria Math" panose="02040503050406030204" pitchFamily="18" charset="0"/>
-                      </a:rPr>
-                      <m:t>𝑇</m:t>
+                      <m:t>𝑁𝑇</m:t>
                     </m:r>
                   </m:oMath>
                 </a14:m>
@@ -19245,7 +19170,7 @@
             </p:txBody>
           </p:sp>
         </mc:Choice>
-        <mc:Fallback>
+        <mc:Fallback xmlns="">
           <p:sp>
             <p:nvSpPr>
               <p:cNvPr id="5" name="TextBox 4"/>
@@ -19305,7 +19230,7 @@
 </file>
 
 <file path=ppt/slides/slide5.xml><?xml version="1.0" encoding="utf-8"?>
-<p:sld xmlns:a="http://schemas.openxmlformats.org/drawingml/2006/main" xmlns:r="http://schemas.openxmlformats.org/officeDocument/2006/relationships" xmlns:p="http://schemas.openxmlformats.org/presentationml/2006/main">
+<p:sld xmlns:a="http://schemas.openxmlformats.org/drawingml/2006/main" xmlns:r="http://schemas.openxmlformats.org/officeDocument/2006/relationships" xmlns:p="http://schemas.openxmlformats.org/presentationml/2006/main" showMasterSp="0">
   <p:cSld>
     <p:spTree>
       <p:nvGrpSpPr>
@@ -19540,7 +19465,7 @@
 </file>
 
 <file path=ppt/slides/slide50.xml><?xml version="1.0" encoding="utf-8"?>
-<p:sld xmlns:a="http://schemas.openxmlformats.org/drawingml/2006/main" xmlns:r="http://schemas.openxmlformats.org/officeDocument/2006/relationships" xmlns:p="http://schemas.openxmlformats.org/presentationml/2006/main">
+<p:sld xmlns:a="http://schemas.openxmlformats.org/drawingml/2006/main" xmlns:r="http://schemas.openxmlformats.org/officeDocument/2006/relationships" xmlns:p="http://schemas.openxmlformats.org/presentationml/2006/main" showMasterSp="0">
   <p:cSld>
     <p:spTree>
       <p:nvGrpSpPr>
@@ -19590,8 +19515,8 @@
           </a:p>
         </p:txBody>
       </p:sp>
-      <mc:AlternateContent xmlns:mc="http://schemas.openxmlformats.org/markup-compatibility/2006">
-        <mc:Choice xmlns:a14="http://schemas.microsoft.com/office/drawing/2010/main" Requires="a14">
+      <mc:AlternateContent xmlns:mc="http://schemas.openxmlformats.org/markup-compatibility/2006" xmlns:a14="http://schemas.microsoft.com/office/drawing/2010/main">
+        <mc:Choice Requires="a14">
           <p:sp>
             <p:nvSpPr>
               <p:cNvPr id="5" name="TextBox 4"/>
@@ -20046,7 +19971,7 @@
             </p:txBody>
           </p:sp>
         </mc:Choice>
-        <mc:Fallback>
+        <mc:Fallback xmlns="">
           <p:sp>
             <p:nvSpPr>
               <p:cNvPr id="5" name="TextBox 4"/>
@@ -20359,7 +20284,7 @@
 </file>
 
 <file path=ppt/slides/slide51.xml><?xml version="1.0" encoding="utf-8"?>
-<p:sld xmlns:a="http://schemas.openxmlformats.org/drawingml/2006/main" xmlns:r="http://schemas.openxmlformats.org/officeDocument/2006/relationships" xmlns:p="http://schemas.openxmlformats.org/presentationml/2006/main">
+<p:sld xmlns:a="http://schemas.openxmlformats.org/drawingml/2006/main" xmlns:r="http://schemas.openxmlformats.org/officeDocument/2006/relationships" xmlns:p="http://schemas.openxmlformats.org/presentationml/2006/main" showMasterSp="0">
   <p:cSld>
     <p:spTree>
       <p:nvGrpSpPr>
@@ -20409,8 +20334,8 @@
           </a:p>
         </p:txBody>
       </p:sp>
-      <mc:AlternateContent xmlns:mc="http://schemas.openxmlformats.org/markup-compatibility/2006">
-        <mc:Choice xmlns:a14="http://schemas.microsoft.com/office/drawing/2010/main" Requires="a14">
+      <mc:AlternateContent xmlns:mc="http://schemas.openxmlformats.org/markup-compatibility/2006" xmlns:a14="http://schemas.microsoft.com/office/drawing/2010/main">
+        <mc:Choice Requires="a14">
           <p:sp>
             <p:nvSpPr>
               <p:cNvPr id="5" name="TextBox 4"/>
@@ -20867,7 +20792,7 @@
             </p:txBody>
           </p:sp>
         </mc:Choice>
-        <mc:Fallback>
+        <mc:Fallback xmlns="">
           <p:sp>
             <p:nvSpPr>
               <p:cNvPr id="5" name="TextBox 4"/>
@@ -21474,7 +21399,7 @@
 </file>
 
 <file path=ppt/slides/slide52.xml><?xml version="1.0" encoding="utf-8"?>
-<p:sld xmlns:a="http://schemas.openxmlformats.org/drawingml/2006/main" xmlns:r="http://schemas.openxmlformats.org/officeDocument/2006/relationships" xmlns:p="http://schemas.openxmlformats.org/presentationml/2006/main">
+<p:sld xmlns:a="http://schemas.openxmlformats.org/drawingml/2006/main" xmlns:r="http://schemas.openxmlformats.org/officeDocument/2006/relationships" xmlns:p="http://schemas.openxmlformats.org/presentationml/2006/main" showMasterSp="0">
   <p:cSld>
     <p:spTree>
       <p:nvGrpSpPr>
@@ -21524,8 +21449,8 @@
           </a:p>
         </p:txBody>
       </p:sp>
-      <mc:AlternateContent xmlns:mc="http://schemas.openxmlformats.org/markup-compatibility/2006">
-        <mc:Choice xmlns:a14="http://schemas.microsoft.com/office/drawing/2010/main" Requires="a14">
+      <mc:AlternateContent xmlns:mc="http://schemas.openxmlformats.org/markup-compatibility/2006" xmlns:a14="http://schemas.microsoft.com/office/drawing/2010/main">
+        <mc:Choice Requires="a14">
           <p:sp>
             <p:nvSpPr>
               <p:cNvPr id="5" name="TextBox 4"/>
@@ -21982,7 +21907,7 @@
             </p:txBody>
           </p:sp>
         </mc:Choice>
-        <mc:Fallback>
+        <mc:Fallback xmlns="">
           <p:sp>
             <p:nvSpPr>
               <p:cNvPr id="5" name="TextBox 4"/>
@@ -22184,11 +22109,6 @@
               </a:rPr>
               <a:t>T</a:t>
             </a:r>
-            <a:endParaRPr lang="en-US" sz="2800" b="1" dirty="0">
-              <a:solidFill>
-                <a:schemeClr val="accent3"/>
-              </a:solidFill>
-            </a:endParaRPr>
           </a:p>
         </p:txBody>
       </p:sp>
@@ -22589,7 +22509,7 @@
 </file>
 
 <file path=ppt/slides/slide53.xml><?xml version="1.0" encoding="utf-8"?>
-<p:sld xmlns:a="http://schemas.openxmlformats.org/drawingml/2006/main" xmlns:r="http://schemas.openxmlformats.org/officeDocument/2006/relationships" xmlns:p="http://schemas.openxmlformats.org/presentationml/2006/main">
+<p:sld xmlns:a="http://schemas.openxmlformats.org/drawingml/2006/main" xmlns:r="http://schemas.openxmlformats.org/officeDocument/2006/relationships" xmlns:p="http://schemas.openxmlformats.org/presentationml/2006/main" showMasterSp="0">
   <p:cSld>
     <p:spTree>
       <p:nvGrpSpPr>
@@ -22639,8 +22559,8 @@
           </a:p>
         </p:txBody>
       </p:sp>
-      <mc:AlternateContent xmlns:mc="http://schemas.openxmlformats.org/markup-compatibility/2006">
-        <mc:Choice xmlns:a14="http://schemas.microsoft.com/office/drawing/2010/main" Requires="a14">
+      <mc:AlternateContent xmlns:mc="http://schemas.openxmlformats.org/markup-compatibility/2006" xmlns:a14="http://schemas.microsoft.com/office/drawing/2010/main">
+        <mc:Choice Requires="a14">
           <p:sp>
             <p:nvSpPr>
               <p:cNvPr id="5" name="TextBox 4"/>
@@ -23095,7 +23015,7 @@
             </p:txBody>
           </p:sp>
         </mc:Choice>
-        <mc:Fallback>
+        <mc:Fallback xmlns="">
           <p:sp>
             <p:nvSpPr>
               <p:cNvPr id="5" name="TextBox 4"/>
@@ -23898,7 +23818,7 @@
 </file>
 
 <file path=ppt/slides/slide54.xml><?xml version="1.0" encoding="utf-8"?>
-<p:sld xmlns:a="http://schemas.openxmlformats.org/drawingml/2006/main" xmlns:r="http://schemas.openxmlformats.org/officeDocument/2006/relationships" xmlns:p="http://schemas.openxmlformats.org/presentationml/2006/main">
+<p:sld xmlns:a="http://schemas.openxmlformats.org/drawingml/2006/main" xmlns:r="http://schemas.openxmlformats.org/officeDocument/2006/relationships" xmlns:p="http://schemas.openxmlformats.org/presentationml/2006/main" showMasterSp="0">
   <p:cSld>
     <p:spTree>
       <p:nvGrpSpPr>
@@ -23948,8 +23868,8 @@
           </a:p>
         </p:txBody>
       </p:sp>
-      <mc:AlternateContent xmlns:mc="http://schemas.openxmlformats.org/markup-compatibility/2006">
-        <mc:Choice xmlns:a14="http://schemas.microsoft.com/office/drawing/2010/main" Requires="a14">
+      <mc:AlternateContent xmlns:mc="http://schemas.openxmlformats.org/markup-compatibility/2006" xmlns:a14="http://schemas.microsoft.com/office/drawing/2010/main">
+        <mc:Choice Requires="a14">
           <p:sp>
             <p:nvSpPr>
               <p:cNvPr id="5" name="TextBox 4"/>
@@ -24404,7 +24324,7 @@
             </p:txBody>
           </p:sp>
         </mc:Choice>
-        <mc:Fallback>
+        <mc:Fallback xmlns="">
           <p:sp>
             <p:nvSpPr>
               <p:cNvPr id="5" name="TextBox 4"/>
@@ -25496,7 +25416,7 @@
 </file>
 
 <file path=ppt/slides/slide55.xml><?xml version="1.0" encoding="utf-8"?>
-<p:sld xmlns:a="http://schemas.openxmlformats.org/drawingml/2006/main" xmlns:r="http://schemas.openxmlformats.org/officeDocument/2006/relationships" xmlns:p="http://schemas.openxmlformats.org/presentationml/2006/main">
+<p:sld xmlns:a="http://schemas.openxmlformats.org/drawingml/2006/main" xmlns:r="http://schemas.openxmlformats.org/officeDocument/2006/relationships" xmlns:p="http://schemas.openxmlformats.org/presentationml/2006/main" showMasterSp="0">
   <p:cSld>
     <p:spTree>
       <p:nvGrpSpPr>
@@ -25546,8 +25466,8 @@
           </a:p>
         </p:txBody>
       </p:sp>
-      <mc:AlternateContent xmlns:mc="http://schemas.openxmlformats.org/markup-compatibility/2006">
-        <mc:Choice xmlns:a14="http://schemas.microsoft.com/office/drawing/2010/main" Requires="a14">
+      <mc:AlternateContent xmlns:mc="http://schemas.openxmlformats.org/markup-compatibility/2006" xmlns:a14="http://schemas.microsoft.com/office/drawing/2010/main">
+        <mc:Choice Requires="a14">
           <p:sp>
             <p:nvSpPr>
               <p:cNvPr id="5" name="TextBox 4"/>
@@ -26004,7 +25924,7 @@
             </p:txBody>
           </p:sp>
         </mc:Choice>
-        <mc:Fallback>
+        <mc:Fallback xmlns="">
           <p:sp>
             <p:nvSpPr>
               <p:cNvPr id="5" name="TextBox 4"/>
@@ -27096,7 +27016,7 @@
 </file>
 
 <file path=ppt/slides/slide56.xml><?xml version="1.0" encoding="utf-8"?>
-<p:sld xmlns:a="http://schemas.openxmlformats.org/drawingml/2006/main" xmlns:r="http://schemas.openxmlformats.org/officeDocument/2006/relationships" xmlns:p="http://schemas.openxmlformats.org/presentationml/2006/main">
+<p:sld xmlns:a="http://schemas.openxmlformats.org/drawingml/2006/main" xmlns:r="http://schemas.openxmlformats.org/officeDocument/2006/relationships" xmlns:p="http://schemas.openxmlformats.org/presentationml/2006/main" showMasterSp="0">
   <p:cSld>
     <p:spTree>
       <p:nvGrpSpPr>
@@ -27146,8 +27066,8 @@
           </a:p>
         </p:txBody>
       </p:sp>
-      <mc:AlternateContent xmlns:mc="http://schemas.openxmlformats.org/markup-compatibility/2006">
-        <mc:Choice xmlns:a14="http://schemas.microsoft.com/office/drawing/2010/main" Requires="a14">
+      <mc:AlternateContent xmlns:mc="http://schemas.openxmlformats.org/markup-compatibility/2006" xmlns:a14="http://schemas.microsoft.com/office/drawing/2010/main">
+        <mc:Choice Requires="a14">
           <p:sp>
             <p:nvSpPr>
               <p:cNvPr id="5" name="TextBox 4"/>
@@ -27602,7 +27522,7 @@
             </p:txBody>
           </p:sp>
         </mc:Choice>
-        <mc:Fallback>
+        <mc:Fallback xmlns="">
           <p:sp>
             <p:nvSpPr>
               <p:cNvPr id="5" name="TextBox 4"/>
@@ -28890,7 +28810,7 @@
 </file>
 
 <file path=ppt/slides/slide57.xml><?xml version="1.0" encoding="utf-8"?>
-<p:sld xmlns:a="http://schemas.openxmlformats.org/drawingml/2006/main" xmlns:r="http://schemas.openxmlformats.org/officeDocument/2006/relationships" xmlns:p="http://schemas.openxmlformats.org/presentationml/2006/main">
+<p:sld xmlns:a="http://schemas.openxmlformats.org/drawingml/2006/main" xmlns:r="http://schemas.openxmlformats.org/officeDocument/2006/relationships" xmlns:p="http://schemas.openxmlformats.org/presentationml/2006/main" showMasterSp="0">
   <p:cSld>
     <p:spTree>
       <p:nvGrpSpPr>
@@ -28940,8 +28860,8 @@
           </a:p>
         </p:txBody>
       </p:sp>
-      <mc:AlternateContent xmlns:mc="http://schemas.openxmlformats.org/markup-compatibility/2006">
-        <mc:Choice xmlns:a14="http://schemas.microsoft.com/office/drawing/2010/main" Requires="a14">
+      <mc:AlternateContent xmlns:mc="http://schemas.openxmlformats.org/markup-compatibility/2006" xmlns:a14="http://schemas.microsoft.com/office/drawing/2010/main">
+        <mc:Choice Requires="a14">
           <p:sp>
             <p:nvSpPr>
               <p:cNvPr id="5" name="TextBox 4"/>
@@ -29398,7 +29318,7 @@
             </p:txBody>
           </p:sp>
         </mc:Choice>
-        <mc:Fallback>
+        <mc:Fallback xmlns="">
           <p:sp>
             <p:nvSpPr>
               <p:cNvPr id="5" name="TextBox 4"/>
@@ -30281,11 +30201,6 @@
               </a:rPr>
               <a:t>S</a:t>
             </a:r>
-            <a:endParaRPr lang="en-US" sz="2800" b="1" dirty="0">
-              <a:solidFill>
-                <a:schemeClr val="accent3"/>
-              </a:solidFill>
-            </a:endParaRPr>
           </a:p>
         </p:txBody>
       </p:sp>
@@ -30686,7 +30601,7 @@
 </file>
 
 <file path=ppt/slides/slide58.xml><?xml version="1.0" encoding="utf-8"?>
-<p:sld xmlns:a="http://schemas.openxmlformats.org/drawingml/2006/main" xmlns:r="http://schemas.openxmlformats.org/officeDocument/2006/relationships" xmlns:p="http://schemas.openxmlformats.org/presentationml/2006/main">
+<p:sld xmlns:a="http://schemas.openxmlformats.org/drawingml/2006/main" xmlns:r="http://schemas.openxmlformats.org/officeDocument/2006/relationships" xmlns:p="http://schemas.openxmlformats.org/presentationml/2006/main" showMasterSp="0">
   <p:cSld>
     <p:spTree>
       <p:nvGrpSpPr>
@@ -30821,7 +30736,7 @@
 </file>
 
 <file path=ppt/slides/slide59.xml><?xml version="1.0" encoding="utf-8"?>
-<p:sld xmlns:a="http://schemas.openxmlformats.org/drawingml/2006/main" xmlns:r="http://schemas.openxmlformats.org/officeDocument/2006/relationships" xmlns:p="http://schemas.openxmlformats.org/presentationml/2006/main">
+<p:sld xmlns:a="http://schemas.openxmlformats.org/drawingml/2006/main" xmlns:r="http://schemas.openxmlformats.org/officeDocument/2006/relationships" xmlns:p="http://schemas.openxmlformats.org/presentationml/2006/main" showMasterSp="0">
   <p:cSld>
     <p:spTree>
       <p:nvGrpSpPr>
@@ -31215,7 +31130,7 @@
 </file>
 
 <file path=ppt/slides/slide6.xml><?xml version="1.0" encoding="utf-8"?>
-<p:sld xmlns:a="http://schemas.openxmlformats.org/drawingml/2006/main" xmlns:r="http://schemas.openxmlformats.org/officeDocument/2006/relationships" xmlns:p="http://schemas.openxmlformats.org/presentationml/2006/main">
+<p:sld xmlns:a="http://schemas.openxmlformats.org/drawingml/2006/main" xmlns:r="http://schemas.openxmlformats.org/officeDocument/2006/relationships" xmlns:p="http://schemas.openxmlformats.org/presentationml/2006/main" showMasterSp="0">
   <p:cSld>
     <p:spTree>
       <p:nvGrpSpPr>
@@ -31401,7 +31316,7 @@
 </file>
 
 <file path=ppt/slides/slide60.xml><?xml version="1.0" encoding="utf-8"?>
-<p:sld xmlns:a="http://schemas.openxmlformats.org/drawingml/2006/main" xmlns:r="http://schemas.openxmlformats.org/officeDocument/2006/relationships" xmlns:p="http://schemas.openxmlformats.org/presentationml/2006/main">
+<p:sld xmlns:a="http://schemas.openxmlformats.org/drawingml/2006/main" xmlns:r="http://schemas.openxmlformats.org/officeDocument/2006/relationships" xmlns:p="http://schemas.openxmlformats.org/presentationml/2006/main" showMasterSp="0">
   <p:cSld>
     <p:spTree>
       <p:nvGrpSpPr>
@@ -32239,7 +32154,7 @@
 </file>
 
 <file path=ppt/slides/slide61.xml><?xml version="1.0" encoding="utf-8"?>
-<p:sld xmlns:a="http://schemas.openxmlformats.org/drawingml/2006/main" xmlns:r="http://schemas.openxmlformats.org/officeDocument/2006/relationships" xmlns:p="http://schemas.openxmlformats.org/presentationml/2006/main">
+<p:sld xmlns:a="http://schemas.openxmlformats.org/drawingml/2006/main" xmlns:r="http://schemas.openxmlformats.org/officeDocument/2006/relationships" xmlns:p="http://schemas.openxmlformats.org/presentationml/2006/main" showMasterSp="0">
   <p:cSld>
     <p:spTree>
       <p:nvGrpSpPr>
@@ -33868,7 +33783,7 @@
 </file>
 
 <file path=ppt/slides/slide62.xml><?xml version="1.0" encoding="utf-8"?>
-<p:sld xmlns:a="http://schemas.openxmlformats.org/drawingml/2006/main" xmlns:r="http://schemas.openxmlformats.org/officeDocument/2006/relationships" xmlns:p="http://schemas.openxmlformats.org/presentationml/2006/main">
+<p:sld xmlns:a="http://schemas.openxmlformats.org/drawingml/2006/main" xmlns:r="http://schemas.openxmlformats.org/officeDocument/2006/relationships" xmlns:p="http://schemas.openxmlformats.org/presentationml/2006/main" showMasterSp="0">
   <p:cSld>
     <p:spTree>
       <p:nvGrpSpPr>
@@ -34231,7 +34146,7 @@
 </file>
 
 <file path=ppt/slides/slide63.xml><?xml version="1.0" encoding="utf-8"?>
-<p:sld xmlns:a="http://schemas.openxmlformats.org/drawingml/2006/main" xmlns:r="http://schemas.openxmlformats.org/officeDocument/2006/relationships" xmlns:p="http://schemas.openxmlformats.org/presentationml/2006/main">
+<p:sld xmlns:a="http://schemas.openxmlformats.org/drawingml/2006/main" xmlns:r="http://schemas.openxmlformats.org/officeDocument/2006/relationships" xmlns:p="http://schemas.openxmlformats.org/presentationml/2006/main" showMasterSp="0">
   <p:cSld>
     <p:spTree>
       <p:nvGrpSpPr>
@@ -34794,7 +34709,7 @@
 </file>
 
 <file path=ppt/slides/slide64.xml><?xml version="1.0" encoding="utf-8"?>
-<p:sld xmlns:a="http://schemas.openxmlformats.org/drawingml/2006/main" xmlns:r="http://schemas.openxmlformats.org/officeDocument/2006/relationships" xmlns:p="http://schemas.openxmlformats.org/presentationml/2006/main">
+<p:sld xmlns:a="http://schemas.openxmlformats.org/drawingml/2006/main" xmlns:r="http://schemas.openxmlformats.org/officeDocument/2006/relationships" xmlns:p="http://schemas.openxmlformats.org/presentationml/2006/main" showMasterSp="0">
   <p:cSld>
     <p:spTree>
       <p:nvGrpSpPr>
@@ -35065,7 +34980,7 @@
 </file>
 
 <file path=ppt/slides/slide65.xml><?xml version="1.0" encoding="utf-8"?>
-<p:sld xmlns:a="http://schemas.openxmlformats.org/drawingml/2006/main" xmlns:r="http://schemas.openxmlformats.org/officeDocument/2006/relationships" xmlns:p="http://schemas.openxmlformats.org/presentationml/2006/main">
+<p:sld xmlns:a="http://schemas.openxmlformats.org/drawingml/2006/main" xmlns:r="http://schemas.openxmlformats.org/officeDocument/2006/relationships" xmlns:p="http://schemas.openxmlformats.org/presentationml/2006/main" showMasterSp="0">
   <p:cSld>
     <p:spTree>
       <p:nvGrpSpPr>
@@ -35349,7 +35264,7 @@
 </file>
 
 <file path=ppt/slides/slide66.xml><?xml version="1.0" encoding="utf-8"?>
-<p:sld xmlns:a="http://schemas.openxmlformats.org/drawingml/2006/main" xmlns:r="http://schemas.openxmlformats.org/officeDocument/2006/relationships" xmlns:p="http://schemas.openxmlformats.org/presentationml/2006/main">
+<p:sld xmlns:a="http://schemas.openxmlformats.org/drawingml/2006/main" xmlns:r="http://schemas.openxmlformats.org/officeDocument/2006/relationships" xmlns:p="http://schemas.openxmlformats.org/presentationml/2006/main" showMasterSp="0">
   <p:cSld>
     <p:spTree>
       <p:nvGrpSpPr>
@@ -35752,7 +35667,7 @@
 </file>
 
 <file path=ppt/slides/slide67.xml><?xml version="1.0" encoding="utf-8"?>
-<p:sld xmlns:a="http://schemas.openxmlformats.org/drawingml/2006/main" xmlns:r="http://schemas.openxmlformats.org/officeDocument/2006/relationships" xmlns:p="http://schemas.openxmlformats.org/presentationml/2006/main">
+<p:sld xmlns:a="http://schemas.openxmlformats.org/drawingml/2006/main" xmlns:r="http://schemas.openxmlformats.org/officeDocument/2006/relationships" xmlns:p="http://schemas.openxmlformats.org/presentationml/2006/main" showMasterSp="0">
   <p:cSld>
     <p:spTree>
       <p:nvGrpSpPr>
@@ -35808,8 +35723,8 @@
           </a:p>
         </p:txBody>
       </p:sp>
-      <mc:AlternateContent xmlns:mc="http://schemas.openxmlformats.org/markup-compatibility/2006">
-        <mc:Choice xmlns:a14="http://schemas.microsoft.com/office/drawing/2010/main" Requires="a14">
+      <mc:AlternateContent xmlns:mc="http://schemas.openxmlformats.org/markup-compatibility/2006" xmlns:a14="http://schemas.microsoft.com/office/drawing/2010/main">
+        <mc:Choice Requires="a14">
           <p:sp>
             <p:nvSpPr>
               <p:cNvPr id="5" name="TextBox 4"/>
@@ -35960,17 +35875,8 @@
                   <a:rPr lang="en-US" sz="2800" dirty="0" smtClean="0">
                     <a:latin typeface="+mj-lt"/>
                   </a:rPr>
-                  <a:t>After </a:t>
+                  <a:t>After substitution:</a:t>
                 </a:r>
-                <a:r>
-                  <a:rPr lang="en-US" sz="2800" dirty="0" smtClean="0">
-                    <a:latin typeface="+mj-lt"/>
-                  </a:rPr>
-                  <a:t>substitution:</a:t>
-                </a:r>
-                <a:endParaRPr lang="en-US" sz="2800" dirty="0" smtClean="0">
-                  <a:latin typeface="+mj-lt"/>
-                </a:endParaRPr>
               </a:p>
               <a:p>
                 <a:pPr marL="285750" indent="-285750">
@@ -36057,7 +35963,7 @@
             </p:txBody>
           </p:sp>
         </mc:Choice>
-        <mc:Fallback>
+        <mc:Fallback xmlns="">
           <p:sp>
             <p:nvSpPr>
               <p:cNvPr id="5" name="TextBox 4"/>
@@ -36117,7 +36023,7 @@
 </file>
 
 <file path=ppt/slides/slide68.xml><?xml version="1.0" encoding="utf-8"?>
-<p:sld xmlns:a="http://schemas.openxmlformats.org/drawingml/2006/main" xmlns:r="http://schemas.openxmlformats.org/officeDocument/2006/relationships" xmlns:p="http://schemas.openxmlformats.org/presentationml/2006/main">
+<p:sld xmlns:a="http://schemas.openxmlformats.org/drawingml/2006/main" xmlns:r="http://schemas.openxmlformats.org/officeDocument/2006/relationships" xmlns:p="http://schemas.openxmlformats.org/presentationml/2006/main" showMasterSp="0">
   <p:cSld>
     <p:spTree>
       <p:nvGrpSpPr>
@@ -36423,7 +36329,7 @@
 </file>
 
 <file path=ppt/slides/slide69.xml><?xml version="1.0" encoding="utf-8"?>
-<p:sld xmlns:a="http://schemas.openxmlformats.org/drawingml/2006/main" xmlns:r="http://schemas.openxmlformats.org/officeDocument/2006/relationships" xmlns:p="http://schemas.openxmlformats.org/presentationml/2006/main">
+<p:sld xmlns:a="http://schemas.openxmlformats.org/drawingml/2006/main" xmlns:r="http://schemas.openxmlformats.org/officeDocument/2006/relationships" xmlns:p="http://schemas.openxmlformats.org/presentationml/2006/main" showMasterSp="0">
   <p:cSld>
     <p:spTree>
       <p:nvGrpSpPr>
@@ -36570,7 +36476,7 @@
 </file>
 
 <file path=ppt/slides/slide7.xml><?xml version="1.0" encoding="utf-8"?>
-<p:sld xmlns:a="http://schemas.openxmlformats.org/drawingml/2006/main" xmlns:r="http://schemas.openxmlformats.org/officeDocument/2006/relationships" xmlns:p="http://schemas.openxmlformats.org/presentationml/2006/main">
+<p:sld xmlns:a="http://schemas.openxmlformats.org/drawingml/2006/main" xmlns:r="http://schemas.openxmlformats.org/officeDocument/2006/relationships" xmlns:p="http://schemas.openxmlformats.org/presentationml/2006/main" showMasterSp="0">
   <p:cSld>
     <p:spTree>
       <p:nvGrpSpPr>
@@ -36788,7 +36694,7 @@
 </file>
 
 <file path=ppt/slides/slide70.xml><?xml version="1.0" encoding="utf-8"?>
-<p:sld xmlns:a="http://schemas.openxmlformats.org/drawingml/2006/main" xmlns:r="http://schemas.openxmlformats.org/officeDocument/2006/relationships" xmlns:p="http://schemas.openxmlformats.org/presentationml/2006/main">
+<p:sld xmlns:a="http://schemas.openxmlformats.org/drawingml/2006/main" xmlns:r="http://schemas.openxmlformats.org/officeDocument/2006/relationships" xmlns:p="http://schemas.openxmlformats.org/presentationml/2006/main" showMasterSp="0">
   <p:cSld>
     <p:spTree>
       <p:nvGrpSpPr>
@@ -37139,7 +37045,7 @@
 </file>
 
 <file path=ppt/slides/slide71.xml><?xml version="1.0" encoding="utf-8"?>
-<p:sld xmlns:a="http://schemas.openxmlformats.org/drawingml/2006/main" xmlns:r="http://schemas.openxmlformats.org/officeDocument/2006/relationships" xmlns:p="http://schemas.openxmlformats.org/presentationml/2006/main">
+<p:sld xmlns:a="http://schemas.openxmlformats.org/drawingml/2006/main" xmlns:r="http://schemas.openxmlformats.org/officeDocument/2006/relationships" xmlns:p="http://schemas.openxmlformats.org/presentationml/2006/main" showMasterSp="0">
   <p:cSld>
     <p:spTree>
       <p:nvGrpSpPr>
@@ -37299,7 +37205,7 @@
 </file>
 
 <file path=ppt/slides/slide8.xml><?xml version="1.0" encoding="utf-8"?>
-<p:sld xmlns:a="http://schemas.openxmlformats.org/drawingml/2006/main" xmlns:r="http://schemas.openxmlformats.org/officeDocument/2006/relationships" xmlns:p="http://schemas.openxmlformats.org/presentationml/2006/main">
+<p:sld xmlns:a="http://schemas.openxmlformats.org/drawingml/2006/main" xmlns:r="http://schemas.openxmlformats.org/officeDocument/2006/relationships" xmlns:p="http://schemas.openxmlformats.org/presentationml/2006/main" showMasterSp="0">
   <p:cSld>
     <p:spTree>
       <p:nvGrpSpPr>
@@ -37515,7 +37421,7 @@
 </file>
 
 <file path=ppt/slides/slide9.xml><?xml version="1.0" encoding="utf-8"?>
-<p:sld xmlns:a="http://schemas.openxmlformats.org/drawingml/2006/main" xmlns:r="http://schemas.openxmlformats.org/officeDocument/2006/relationships" xmlns:p="http://schemas.openxmlformats.org/presentationml/2006/main">
+<p:sld xmlns:a="http://schemas.openxmlformats.org/drawingml/2006/main" xmlns:r="http://schemas.openxmlformats.org/officeDocument/2006/relationships" xmlns:p="http://schemas.openxmlformats.org/presentationml/2006/main" showMasterSp="0">
   <p:cSld>
     <p:spTree>
       <p:nvGrpSpPr>
